--- a/Universidad-20230227T013253Z-001/Universidad/U 2023-1/fundamentos/Autómata Finito Determinístico (AFD).pptx
+++ b/Universidad-20230227T013253Z-001/Universidad/U 2023-1/fundamentos/Autómata Finito Determinístico (AFD).pptx
@@ -227,7 +227,7 @@
           <a:p>
             <a:fld id="{2316F915-27A2-4065-914E-A6328F886792}" type="datetimeFigureOut">
               <a:rPr lang="es-CL" smtClean="0"/>
-              <a:t>29-03-2023</a:t>
+              <a:t>05-04-2023</a:t>
             </a:fld>
             <a:endParaRPr lang="es-CL"/>
           </a:p>
@@ -769,7 +769,7 @@
           <a:p>
             <a:fld id="{78ABE3C1-DBE1-495D-B57B-2849774B866A}" type="datetimeFigureOut">
               <a:rPr lang="en-US" dirty="0"/>
-              <a:t>3/29/2023</a:t>
+              <a:t>4/5/2023</a:t>
             </a:fld>
             <a:endParaRPr lang="en-US" dirty="0"/>
           </a:p>
@@ -1178,7 +1178,7 @@
           <a:p>
             <a:fld id="{446C117F-5CCF-4837-BE5F-2B92066CAFAF}" type="datetimeFigureOut">
               <a:rPr lang="en-US" dirty="0"/>
-              <a:t>3/29/2023</a:t>
+              <a:t>4/5/2023</a:t>
             </a:fld>
             <a:endParaRPr lang="en-US" dirty="0"/>
           </a:p>
@@ -1509,7 +1509,7 @@
           <a:p>
             <a:fld id="{84EB90BD-B6CE-46B7-997F-7313B992CCDC}" type="datetimeFigureOut">
               <a:rPr lang="en-US" dirty="0"/>
-              <a:t>3/29/2023</a:t>
+              <a:t>4/5/2023</a:t>
             </a:fld>
             <a:endParaRPr lang="en-US" dirty="0"/>
           </a:p>
@@ -1909,7 +1909,7 @@
           <a:p>
             <a:fld id="{CDB9D11F-B188-461D-B23F-39381795C052}" type="datetimeFigureOut">
               <a:rPr lang="en-US" dirty="0"/>
-              <a:t>3/29/2023</a:t>
+              <a:t>4/5/2023</a:t>
             </a:fld>
             <a:endParaRPr lang="en-US" dirty="0"/>
           </a:p>
@@ -2472,7 +2472,7 @@
           <a:p>
             <a:fld id="{52E6D8D9-55A2-4063-B0F3-121F44549695}" type="datetimeFigureOut">
               <a:rPr lang="en-US" dirty="0"/>
-              <a:t>3/29/2023</a:t>
+              <a:t>4/5/2023</a:t>
             </a:fld>
             <a:endParaRPr lang="en-US" dirty="0"/>
           </a:p>
@@ -3148,7 +3148,7 @@
           <a:p>
             <a:fld id="{D4B24536-994D-4021-A283-9F449C0DB509}" type="datetimeFigureOut">
               <a:rPr lang="en-US" dirty="0"/>
-              <a:t>3/29/2023</a:t>
+              <a:t>4/5/2023</a:t>
             </a:fld>
             <a:endParaRPr lang="en-US" dirty="0"/>
           </a:p>
@@ -4056,7 +4056,7 @@
           <a:p>
             <a:fld id="{3CBBBB78-C96F-47B7-AB17-D852CA960AC9}" type="datetimeFigureOut">
               <a:rPr lang="en-US" dirty="0"/>
-              <a:t>3/29/2023</a:t>
+              <a:t>4/5/2023</a:t>
             </a:fld>
             <a:endParaRPr lang="en-US" dirty="0"/>
           </a:p>
@@ -4364,7 +4364,7 @@
           <a:p>
             <a:fld id="{1FA3F48C-C7C6-4055-9F49-3777875E72AE}" type="datetimeFigureOut">
               <a:rPr lang="en-US" dirty="0"/>
-              <a:t>3/29/2023</a:t>
+              <a:t>4/5/2023</a:t>
             </a:fld>
             <a:endParaRPr lang="en-US" dirty="0"/>
           </a:p>
@@ -4623,7 +4623,7 @@
           <a:p>
             <a:fld id="{6178E61D-D431-422C-9764-11DAFE33AB63}" type="datetimeFigureOut">
               <a:rPr lang="en-US" dirty="0"/>
-              <a:t>3/29/2023</a:t>
+              <a:t>4/5/2023</a:t>
             </a:fld>
             <a:endParaRPr lang="en-US" dirty="0"/>
           </a:p>
@@ -4942,7 +4942,7 @@
           <a:p>
             <a:fld id="{12DE42F4-6EEF-4EF7-8ED4-2208F0F89A08}" type="datetimeFigureOut">
               <a:rPr lang="en-US" dirty="0"/>
-              <a:t>3/29/2023</a:t>
+              <a:t>4/5/2023</a:t>
             </a:fld>
             <a:endParaRPr lang="en-US" dirty="0"/>
           </a:p>
@@ -5326,7 +5326,7 @@
           <a:p>
             <a:fld id="{30578ACC-22D6-47C1-A373-4FD133E34F3C}" type="datetimeFigureOut">
               <a:rPr lang="en-US" dirty="0"/>
-              <a:t>3/29/2023</a:t>
+              <a:t>4/5/2023</a:t>
             </a:fld>
             <a:endParaRPr lang="en-US" dirty="0"/>
           </a:p>
@@ -5697,7 +5697,7 @@
           <a:p>
             <a:fld id="{4E5A6C69-6797-4E8A-BF37-F2C3751466E9}" type="datetimeFigureOut">
               <a:rPr lang="en-US" dirty="0"/>
-              <a:t>3/29/2023</a:t>
+              <a:t>4/5/2023</a:t>
             </a:fld>
             <a:endParaRPr lang="en-US" dirty="0"/>
           </a:p>
@@ -6198,7 +6198,7 @@
           <a:p>
             <a:fld id="{D82014A1-A632-4878-A0D3-F52BA7563730}" type="datetimeFigureOut">
               <a:rPr lang="en-US" dirty="0"/>
-              <a:t>3/29/2023</a:t>
+              <a:t>4/5/2023</a:t>
             </a:fld>
             <a:endParaRPr lang="en-US" dirty="0"/>
           </a:p>
@@ -6450,7 +6450,7 @@
           <a:p>
             <a:fld id="{CE99F462-093F-4566-844B-4C71F2739DA5}" type="datetimeFigureOut">
               <a:rPr lang="en-US" dirty="0"/>
-              <a:t>3/29/2023</a:t>
+              <a:t>4/5/2023</a:t>
             </a:fld>
             <a:endParaRPr lang="en-US" dirty="0"/>
           </a:p>
@@ -6608,7 +6608,7 @@
           <a:p>
             <a:fld id="{3D24A7AC-904D-4781-85BA-7D10C17ED021}" type="datetimeFigureOut">
               <a:rPr lang="en-US" dirty="0"/>
-              <a:t>3/29/2023</a:t>
+              <a:t>4/5/2023</a:t>
             </a:fld>
             <a:endParaRPr lang="en-US" dirty="0"/>
           </a:p>
@@ -6993,7 +6993,7 @@
           <a:p>
             <a:fld id="{E331444B-B92B-4E27-8C94-BB93EAF5CB18}" type="datetimeFigureOut">
               <a:rPr lang="en-US" dirty="0"/>
-              <a:t>3/29/2023</a:t>
+              <a:t>4/5/2023</a:t>
             </a:fld>
             <a:endParaRPr lang="en-US" dirty="0"/>
           </a:p>
@@ -7397,7 +7397,7 @@
           <a:p>
             <a:fld id="{363EFA5E-FA76-400D-B3DC-F0BA90E6D107}" type="datetimeFigureOut">
               <a:rPr lang="en-US" dirty="0"/>
-              <a:t>3/29/2023</a:t>
+              <a:t>4/5/2023</a:t>
             </a:fld>
             <a:endParaRPr lang="en-US" dirty="0"/>
           </a:p>
@@ -7636,7 +7636,7 @@
           <a:p>
             <a:fld id="{9D6E9DEC-419B-4CC5-A080-3B06BD5A8291}" type="datetimeFigureOut">
               <a:rPr lang="en-US" dirty="0"/>
-              <a:t>3/29/2023</a:t>
+              <a:t>4/5/2023</a:t>
             </a:fld>
             <a:endParaRPr lang="en-US" dirty="0"/>
           </a:p>
@@ -32305,15 +32305,7 @@
           <a:p>
             <a:r>
               <a:rPr lang="es-ES" dirty="0"/>
-              <a:t>Este </a:t>
-            </a:r>
-            <a:r>
-              <a:rPr lang="es-ES" dirty="0" err="1"/>
-              <a:t>automata</a:t>
-            </a:r>
-            <a:r>
-              <a:rPr lang="es-ES" dirty="0"/>
-              <a:t> acepta el </a:t>
+              <a:t>Este autómata acepta el </a:t>
             </a:r>
             <a:r>
               <a:rPr lang="es-ES" dirty="0" err="1"/>
